--- a/docs/songs/goodness of god.pptx
+++ b/docs/songs/goodness of god.pptx
@@ -309,7 +309,7 @@
             <a:fld id="{26EA1CF3-4A15-4CBF-9A5A-6A56C368BE71}" type="datetimeFigureOut">
               <a:rPr lang="en-GB" smtClean="0"/>
               <a:pPr/>
-              <a:t>03/10/2022</a:t>
+              <a:t>01/07/2024</a:t>
             </a:fld>
             <a:endParaRPr lang="en-GB"/>
           </a:p>
@@ -476,7 +476,7 @@
             <a:fld id="{26EA1CF3-4A15-4CBF-9A5A-6A56C368BE71}" type="datetimeFigureOut">
               <a:rPr lang="en-GB" smtClean="0"/>
               <a:pPr/>
-              <a:t>03/10/2022</a:t>
+              <a:t>01/07/2024</a:t>
             </a:fld>
             <a:endParaRPr lang="en-GB"/>
           </a:p>
@@ -653,7 +653,7 @@
             <a:fld id="{26EA1CF3-4A15-4CBF-9A5A-6A56C368BE71}" type="datetimeFigureOut">
               <a:rPr lang="en-GB" smtClean="0"/>
               <a:pPr/>
-              <a:t>03/10/2022</a:t>
+              <a:t>01/07/2024</a:t>
             </a:fld>
             <a:endParaRPr lang="en-GB"/>
           </a:p>
@@ -820,7 +820,7 @@
             <a:fld id="{26EA1CF3-4A15-4CBF-9A5A-6A56C368BE71}" type="datetimeFigureOut">
               <a:rPr lang="en-GB" smtClean="0"/>
               <a:pPr/>
-              <a:t>03/10/2022</a:t>
+              <a:t>01/07/2024</a:t>
             </a:fld>
             <a:endParaRPr lang="en-GB"/>
           </a:p>
@@ -1063,7 +1063,7 @@
             <a:fld id="{26EA1CF3-4A15-4CBF-9A5A-6A56C368BE71}" type="datetimeFigureOut">
               <a:rPr lang="en-GB" smtClean="0"/>
               <a:pPr/>
-              <a:t>03/10/2022</a:t>
+              <a:t>01/07/2024</a:t>
             </a:fld>
             <a:endParaRPr lang="en-GB"/>
           </a:p>
@@ -1348,7 +1348,7 @@
             <a:fld id="{26EA1CF3-4A15-4CBF-9A5A-6A56C368BE71}" type="datetimeFigureOut">
               <a:rPr lang="en-GB" smtClean="0"/>
               <a:pPr/>
-              <a:t>03/10/2022</a:t>
+              <a:t>01/07/2024</a:t>
             </a:fld>
             <a:endParaRPr lang="en-GB"/>
           </a:p>
@@ -1767,7 +1767,7 @@
             <a:fld id="{26EA1CF3-4A15-4CBF-9A5A-6A56C368BE71}" type="datetimeFigureOut">
               <a:rPr lang="en-GB" smtClean="0"/>
               <a:pPr/>
-              <a:t>03/10/2022</a:t>
+              <a:t>01/07/2024</a:t>
             </a:fld>
             <a:endParaRPr lang="en-GB"/>
           </a:p>
@@ -1882,7 +1882,7 @@
             <a:fld id="{26EA1CF3-4A15-4CBF-9A5A-6A56C368BE71}" type="datetimeFigureOut">
               <a:rPr lang="en-GB" smtClean="0"/>
               <a:pPr/>
-              <a:t>03/10/2022</a:t>
+              <a:t>01/07/2024</a:t>
             </a:fld>
             <a:endParaRPr lang="en-GB"/>
           </a:p>
@@ -1974,7 +1974,7 @@
             <a:fld id="{26EA1CF3-4A15-4CBF-9A5A-6A56C368BE71}" type="datetimeFigureOut">
               <a:rPr lang="en-GB" smtClean="0"/>
               <a:pPr/>
-              <a:t>03/10/2022</a:t>
+              <a:t>01/07/2024</a:t>
             </a:fld>
             <a:endParaRPr lang="en-GB"/>
           </a:p>
@@ -2248,7 +2248,7 @@
             <a:fld id="{26EA1CF3-4A15-4CBF-9A5A-6A56C368BE71}" type="datetimeFigureOut">
               <a:rPr lang="en-GB" smtClean="0"/>
               <a:pPr/>
-              <a:t>03/10/2022</a:t>
+              <a:t>01/07/2024</a:t>
             </a:fld>
             <a:endParaRPr lang="en-GB"/>
           </a:p>
@@ -2498,7 +2498,7 @@
             <a:fld id="{26EA1CF3-4A15-4CBF-9A5A-6A56C368BE71}" type="datetimeFigureOut">
               <a:rPr lang="en-GB" smtClean="0"/>
               <a:pPr/>
-              <a:t>03/10/2022</a:t>
+              <a:t>01/07/2024</a:t>
             </a:fld>
             <a:endParaRPr lang="en-GB"/>
           </a:p>
@@ -2711,7 +2711,7 @@
             <a:fld id="{26EA1CF3-4A15-4CBF-9A5A-6A56C368BE71}" type="datetimeFigureOut">
               <a:rPr lang="en-GB" smtClean="0"/>
               <a:pPr/>
-              <a:t>03/10/2022</a:t>
+              <a:t>01/07/2024</a:t>
             </a:fld>
             <a:endParaRPr lang="en-GB"/>
           </a:p>
@@ -3300,7 +3300,7 @@
         </p:nvSpPr>
         <p:spPr>
           <a:xfrm>
-            <a:off x="323528" y="188640"/>
+            <a:off x="251520" y="764704"/>
             <a:ext cx="8640960" cy="6480720"/>
           </a:xfrm>
         </p:spPr>
@@ -3311,7 +3311,7 @@
           <a:lstStyle/>
           <a:p>
             <a:r>
-              <a:rPr lang="en-GB" sz="4400" dirty="0">
+              <a:rPr lang="en-GB" sz="3600" dirty="0">
                 <a:solidFill>
                   <a:schemeClr val="bg1"/>
                 </a:solidFill>
@@ -3321,7 +3321,7 @@
           </a:p>
           <a:p>
             <a:r>
-              <a:rPr lang="en-GB" sz="4400" dirty="0">
+              <a:rPr lang="en-GB" sz="3600" dirty="0">
                 <a:solidFill>
                   <a:schemeClr val="bg1"/>
                 </a:solidFill>
@@ -3331,7 +3331,7 @@
           </a:p>
           <a:p>
             <a:r>
-              <a:rPr lang="en-GB" sz="4400" dirty="0">
+              <a:rPr lang="en-GB" sz="3600" dirty="0">
                 <a:solidFill>
                   <a:schemeClr val="bg1"/>
                 </a:solidFill>
@@ -3341,7 +3341,7 @@
           </a:p>
           <a:p>
             <a:r>
-              <a:rPr lang="en-GB" sz="4400" dirty="0">
+              <a:rPr lang="en-GB" sz="3600" dirty="0">
                 <a:solidFill>
                   <a:schemeClr val="bg1"/>
                 </a:solidFill>
@@ -3351,7 +3351,7 @@
           </a:p>
           <a:p>
             <a:r>
-              <a:rPr lang="en-GB" sz="4400" dirty="0">
+              <a:rPr lang="en-GB" sz="3600" dirty="0">
                 <a:solidFill>
                   <a:schemeClr val="bg1"/>
                 </a:solidFill>
@@ -3361,7 +3361,7 @@
           </a:p>
           <a:p>
             <a:r>
-              <a:rPr lang="en-GB" sz="4400" dirty="0">
+              <a:rPr lang="en-GB" sz="3600" dirty="0">
                 <a:solidFill>
                   <a:schemeClr val="bg1"/>
                 </a:solidFill>
@@ -3371,7 +3371,7 @@
           </a:p>
           <a:p>
             <a:r>
-              <a:rPr lang="en-GB" sz="4400" dirty="0">
+              <a:rPr lang="en-GB" sz="3600" dirty="0">
                 <a:solidFill>
                   <a:schemeClr val="bg1"/>
                 </a:solidFill>
@@ -3456,7 +3456,7 @@
         </p:nvSpPr>
         <p:spPr>
           <a:xfrm>
-            <a:off x="323528" y="188640"/>
+            <a:off x="395536" y="764704"/>
             <a:ext cx="8640960" cy="6480720"/>
           </a:xfrm>
         </p:spPr>
@@ -3467,7 +3467,7 @@
           <a:lstStyle/>
           <a:p>
             <a:r>
-              <a:rPr lang="en-GB" sz="5000" dirty="0">
+              <a:rPr lang="en-GB" sz="3600" dirty="0">
                 <a:solidFill>
                   <a:schemeClr val="bg1"/>
                 </a:solidFill>
@@ -3477,7 +3477,7 @@
           </a:p>
           <a:p>
             <a:r>
-              <a:rPr lang="en-GB" sz="5000" dirty="0">
+              <a:rPr lang="en-GB" sz="3600" dirty="0">
                 <a:solidFill>
                   <a:schemeClr val="bg1"/>
                 </a:solidFill>
@@ -3485,7 +3485,7 @@
               <a:t>All my life You have been so </a:t>
             </a:r>
             <a:r>
-              <a:rPr lang="en-GB" sz="5000" dirty="0" err="1">
+              <a:rPr lang="en-GB" sz="3600" dirty="0" err="1">
                 <a:solidFill>
                   <a:schemeClr val="bg1"/>
                 </a:solidFill>
@@ -3493,7 +3493,7 @@
               <a:t>so</a:t>
             </a:r>
             <a:r>
-              <a:rPr lang="en-GB" sz="5000" dirty="0">
+              <a:rPr lang="en-GB" sz="3600" dirty="0">
                 <a:solidFill>
                   <a:schemeClr val="bg1"/>
                 </a:solidFill>
@@ -3503,7 +3503,7 @@
           </a:p>
           <a:p>
             <a:r>
-              <a:rPr lang="en-GB" sz="5000" dirty="0">
+              <a:rPr lang="en-GB" sz="3600" dirty="0">
                 <a:solidFill>
                   <a:schemeClr val="bg1"/>
                 </a:solidFill>
@@ -3513,7 +3513,7 @@
           </a:p>
           <a:p>
             <a:r>
-              <a:rPr lang="en-GB" sz="5000" dirty="0">
+              <a:rPr lang="en-GB" sz="3600" dirty="0">
                 <a:solidFill>
                   <a:schemeClr val="bg1"/>
                 </a:solidFill>
@@ -3598,7 +3598,7 @@
         </p:nvSpPr>
         <p:spPr>
           <a:xfrm>
-            <a:off x="323528" y="188640"/>
+            <a:off x="251520" y="764704"/>
             <a:ext cx="8640960" cy="6480720"/>
           </a:xfrm>
         </p:spPr>
@@ -3609,7 +3609,7 @@
           <a:lstStyle/>
           <a:p>
             <a:r>
-              <a:rPr lang="en-GB" sz="4800" dirty="0">
+              <a:rPr lang="en-GB" sz="3600" dirty="0">
                 <a:solidFill>
                   <a:schemeClr val="bg1"/>
                 </a:solidFill>
@@ -3619,7 +3619,7 @@
           </a:p>
           <a:p>
             <a:r>
-              <a:rPr lang="en-GB" sz="4800" dirty="0">
+              <a:rPr lang="en-GB" sz="3600" dirty="0">
                 <a:solidFill>
                   <a:schemeClr val="bg1"/>
                 </a:solidFill>
@@ -3629,7 +3629,7 @@
           </a:p>
           <a:p>
             <a:r>
-              <a:rPr lang="en-GB" sz="4800" dirty="0">
+              <a:rPr lang="en-GB" sz="3600" dirty="0">
                 <a:solidFill>
                   <a:schemeClr val="bg1"/>
                 </a:solidFill>
@@ -3639,7 +3639,7 @@
           </a:p>
           <a:p>
             <a:r>
-              <a:rPr lang="en-GB" sz="4800" dirty="0">
+              <a:rPr lang="en-GB" sz="3600" dirty="0">
                 <a:solidFill>
                   <a:schemeClr val="bg1"/>
                 </a:solidFill>
@@ -3649,7 +3649,7 @@
           </a:p>
           <a:p>
             <a:r>
-              <a:rPr lang="en-GB" sz="4800" dirty="0">
+              <a:rPr lang="en-GB" sz="3600" dirty="0">
                 <a:solidFill>
                   <a:schemeClr val="bg1"/>
                 </a:solidFill>
@@ -3659,7 +3659,7 @@
           </a:p>
           <a:p>
             <a:r>
-              <a:rPr lang="en-GB" sz="4800" dirty="0">
+              <a:rPr lang="en-GB" sz="3600" dirty="0">
                 <a:solidFill>
                   <a:schemeClr val="bg1"/>
                 </a:solidFill>
@@ -3669,7 +3669,7 @@
           </a:p>
           <a:p>
             <a:r>
-              <a:rPr lang="en-GB" sz="4800" dirty="0">
+              <a:rPr lang="en-GB" sz="3600" dirty="0">
                 <a:solidFill>
                   <a:schemeClr val="bg1"/>
                 </a:solidFill>
@@ -3754,7 +3754,7 @@
         </p:nvSpPr>
         <p:spPr>
           <a:xfrm>
-            <a:off x="323528" y="188640"/>
+            <a:off x="230542" y="620688"/>
             <a:ext cx="8640960" cy="6480720"/>
           </a:xfrm>
         </p:spPr>
@@ -3765,7 +3765,7 @@
           <a:lstStyle/>
           <a:p>
             <a:r>
-              <a:rPr lang="en-GB" sz="4000" dirty="0">
+              <a:rPr lang="en-GB" sz="3600" dirty="0">
                 <a:solidFill>
                   <a:schemeClr val="bg1"/>
                 </a:solidFill>
@@ -3775,7 +3775,7 @@
           </a:p>
           <a:p>
             <a:r>
-              <a:rPr lang="en-GB" sz="4000" dirty="0">
+              <a:rPr lang="en-GB" sz="3600" dirty="0">
                 <a:solidFill>
                   <a:schemeClr val="bg1"/>
                 </a:solidFill>
@@ -3785,7 +3785,62 @@
           </a:p>
           <a:p>
             <a:r>
-              <a:rPr lang="en-GB" sz="4000" dirty="0">
+              <a:rPr lang="en-GB" sz="3600" dirty="0">
+                <a:solidFill>
+                  <a:schemeClr val="bg1"/>
+                </a:solidFill>
+              </a:rPr>
+              <a:t>(REPEAT)</a:t>
+            </a:r>
+          </a:p>
+          <a:p>
+            <a:r>
+              <a:rPr lang="en-GB" sz="2400" dirty="0">
+                <a:solidFill>
+                  <a:schemeClr val="bg1"/>
+                </a:solidFill>
+              </a:rPr>
+              <a:t> </a:t>
+            </a:r>
+            <a:br>
+              <a:rPr lang="en-GB" sz="3600" dirty="0">
+                <a:solidFill>
+                  <a:schemeClr val="bg1"/>
+                </a:solidFill>
+              </a:rPr>
+            </a:br>
+            <a:r>
+              <a:rPr lang="en-GB" sz="3600" dirty="0">
+                <a:solidFill>
+                  <a:schemeClr val="bg1"/>
+                </a:solidFill>
+              </a:rPr>
+              <a:t>With my life laid down</a:t>
+            </a:r>
+          </a:p>
+          <a:p>
+            <a:r>
+              <a:rPr lang="en-GB" sz="3600" dirty="0">
+                <a:solidFill>
+                  <a:schemeClr val="bg1"/>
+                </a:solidFill>
+              </a:rPr>
+              <a:t>I’m surrendered now</a:t>
+            </a:r>
+          </a:p>
+          <a:p>
+            <a:r>
+              <a:rPr lang="en-GB" sz="3600" dirty="0">
+                <a:solidFill>
+                  <a:schemeClr val="bg1"/>
+                </a:solidFill>
+              </a:rPr>
+              <a:t>I give You everything</a:t>
+            </a:r>
+          </a:p>
+          <a:p>
+            <a:r>
+              <a:rPr lang="en-GB" sz="3600" dirty="0">
                 <a:solidFill>
                   <a:schemeClr val="bg1"/>
                 </a:solidFill>
@@ -3795,57 +3850,7 @@
           </a:p>
           <a:p>
             <a:r>
-              <a:rPr lang="en-GB" sz="4000" dirty="0">
-                <a:solidFill>
-                  <a:schemeClr val="bg1"/>
-                </a:solidFill>
-              </a:rPr>
-              <a:t>It’s running after me</a:t>
-            </a:r>
-          </a:p>
-          <a:p>
-            <a:r>
-              <a:rPr lang="en-GB" sz="4000" dirty="0">
-                <a:solidFill>
-                  <a:schemeClr val="bg1"/>
-                </a:solidFill>
-              </a:rPr>
-              <a:t>With my life laid down</a:t>
-            </a:r>
-          </a:p>
-          <a:p>
-            <a:r>
-              <a:rPr lang="en-GB" sz="4000" dirty="0">
-                <a:solidFill>
-                  <a:schemeClr val="bg1"/>
-                </a:solidFill>
-              </a:rPr>
-              <a:t>I’m surrendered now</a:t>
-            </a:r>
-          </a:p>
-          <a:p>
-            <a:r>
-              <a:rPr lang="en-GB" sz="4000" dirty="0">
-                <a:solidFill>
-                  <a:schemeClr val="bg1"/>
-                </a:solidFill>
-              </a:rPr>
-              <a:t>I give You everything</a:t>
-            </a:r>
-          </a:p>
-          <a:p>
-            <a:r>
-              <a:rPr lang="en-GB" sz="4000" dirty="0">
-                <a:solidFill>
-                  <a:schemeClr val="bg1"/>
-                </a:solidFill>
-              </a:rPr>
-              <a:t>Your goodness is running after</a:t>
-            </a:r>
-          </a:p>
-          <a:p>
-            <a:r>
-              <a:rPr lang="en-GB" sz="4000" dirty="0">
+              <a:rPr lang="en-GB" sz="3600" dirty="0">
                 <a:solidFill>
                   <a:schemeClr val="bg1"/>
                 </a:solidFill>

--- a/docs/songs/goodness of god.pptx
+++ b/docs/songs/goodness of god.pptx
@@ -9,7 +9,9 @@
     <p:sldId id="581" r:id="rId3"/>
     <p:sldId id="650" r:id="rId4"/>
     <p:sldId id="582" r:id="rId5"/>
-    <p:sldId id="501" r:id="rId6"/>
+    <p:sldId id="676" r:id="rId6"/>
+    <p:sldId id="501" r:id="rId7"/>
+    <p:sldId id="677" r:id="rId8"/>
   </p:sldIdLst>
   <p:sldSz cx="9144000" cy="6858000" type="screen4x3"/>
   <p:notesSz cx="6858000" cy="9144000"/>
@@ -309,7 +311,7 @@
             <a:fld id="{26EA1CF3-4A15-4CBF-9A5A-6A56C368BE71}" type="datetimeFigureOut">
               <a:rPr lang="en-GB" smtClean="0"/>
               <a:pPr/>
-              <a:t>01/07/2024</a:t>
+              <a:t>17/03/2025</a:t>
             </a:fld>
             <a:endParaRPr lang="en-GB"/>
           </a:p>
@@ -476,7 +478,7 @@
             <a:fld id="{26EA1CF3-4A15-4CBF-9A5A-6A56C368BE71}" type="datetimeFigureOut">
               <a:rPr lang="en-GB" smtClean="0"/>
               <a:pPr/>
-              <a:t>01/07/2024</a:t>
+              <a:t>17/03/2025</a:t>
             </a:fld>
             <a:endParaRPr lang="en-GB"/>
           </a:p>
@@ -653,7 +655,7 @@
             <a:fld id="{26EA1CF3-4A15-4CBF-9A5A-6A56C368BE71}" type="datetimeFigureOut">
               <a:rPr lang="en-GB" smtClean="0"/>
               <a:pPr/>
-              <a:t>01/07/2024</a:t>
+              <a:t>17/03/2025</a:t>
             </a:fld>
             <a:endParaRPr lang="en-GB"/>
           </a:p>
@@ -820,7 +822,7 @@
             <a:fld id="{26EA1CF3-4A15-4CBF-9A5A-6A56C368BE71}" type="datetimeFigureOut">
               <a:rPr lang="en-GB" smtClean="0"/>
               <a:pPr/>
-              <a:t>01/07/2024</a:t>
+              <a:t>17/03/2025</a:t>
             </a:fld>
             <a:endParaRPr lang="en-GB"/>
           </a:p>
@@ -1063,7 +1065,7 @@
             <a:fld id="{26EA1CF3-4A15-4CBF-9A5A-6A56C368BE71}" type="datetimeFigureOut">
               <a:rPr lang="en-GB" smtClean="0"/>
               <a:pPr/>
-              <a:t>01/07/2024</a:t>
+              <a:t>17/03/2025</a:t>
             </a:fld>
             <a:endParaRPr lang="en-GB"/>
           </a:p>
@@ -1348,7 +1350,7 @@
             <a:fld id="{26EA1CF3-4A15-4CBF-9A5A-6A56C368BE71}" type="datetimeFigureOut">
               <a:rPr lang="en-GB" smtClean="0"/>
               <a:pPr/>
-              <a:t>01/07/2024</a:t>
+              <a:t>17/03/2025</a:t>
             </a:fld>
             <a:endParaRPr lang="en-GB"/>
           </a:p>
@@ -1767,7 +1769,7 @@
             <a:fld id="{26EA1CF3-4A15-4CBF-9A5A-6A56C368BE71}" type="datetimeFigureOut">
               <a:rPr lang="en-GB" smtClean="0"/>
               <a:pPr/>
-              <a:t>01/07/2024</a:t>
+              <a:t>17/03/2025</a:t>
             </a:fld>
             <a:endParaRPr lang="en-GB"/>
           </a:p>
@@ -1882,7 +1884,7 @@
             <a:fld id="{26EA1CF3-4A15-4CBF-9A5A-6A56C368BE71}" type="datetimeFigureOut">
               <a:rPr lang="en-GB" smtClean="0"/>
               <a:pPr/>
-              <a:t>01/07/2024</a:t>
+              <a:t>17/03/2025</a:t>
             </a:fld>
             <a:endParaRPr lang="en-GB"/>
           </a:p>
@@ -1974,7 +1976,7 @@
             <a:fld id="{26EA1CF3-4A15-4CBF-9A5A-6A56C368BE71}" type="datetimeFigureOut">
               <a:rPr lang="en-GB" smtClean="0"/>
               <a:pPr/>
-              <a:t>01/07/2024</a:t>
+              <a:t>17/03/2025</a:t>
             </a:fld>
             <a:endParaRPr lang="en-GB"/>
           </a:p>
@@ -2248,7 +2250,7 @@
             <a:fld id="{26EA1CF3-4A15-4CBF-9A5A-6A56C368BE71}" type="datetimeFigureOut">
               <a:rPr lang="en-GB" smtClean="0"/>
               <a:pPr/>
-              <a:t>01/07/2024</a:t>
+              <a:t>17/03/2025</a:t>
             </a:fld>
             <a:endParaRPr lang="en-GB"/>
           </a:p>
@@ -2498,7 +2500,7 @@
             <a:fld id="{26EA1CF3-4A15-4CBF-9A5A-6A56C368BE71}" type="datetimeFigureOut">
               <a:rPr lang="en-GB" smtClean="0"/>
               <a:pPr/>
-              <a:t>01/07/2024</a:t>
+              <a:t>17/03/2025</a:t>
             </a:fld>
             <a:endParaRPr lang="en-GB"/>
           </a:p>
@@ -2711,7 +2713,7 @@
             <a:fld id="{26EA1CF3-4A15-4CBF-9A5A-6A56C368BE71}" type="datetimeFigureOut">
               <a:rPr lang="en-GB" smtClean="0"/>
               <a:pPr/>
-              <a:t>01/07/2024</a:t>
+              <a:t>17/03/2025</a:t>
             </a:fld>
             <a:endParaRPr lang="en-GB"/>
           </a:p>
@@ -3409,7 +3411,7 @@
                   <a:schemeClr val="bg1"/>
                 </a:solidFill>
               </a:rPr>
-              <a:t>1/4</a:t>
+              <a:t>1/6</a:t>
             </a:r>
           </a:p>
         </p:txBody>
@@ -3551,7 +3553,7 @@
                   <a:schemeClr val="bg1"/>
                 </a:solidFill>
               </a:rPr>
-              <a:t>2/4</a:t>
+              <a:t>2/6</a:t>
             </a:r>
           </a:p>
         </p:txBody>
@@ -3707,7 +3709,7 @@
                   <a:schemeClr val="bg1"/>
                 </a:solidFill>
               </a:rPr>
-              <a:t>3/4</a:t>
+              <a:t>3/6</a:t>
             </a:r>
           </a:p>
         </p:txBody>
@@ -3730,6 +3732,166 @@
   <p:cSld>
     <p:spTree>
       <p:nvGrpSpPr>
+        <p:cNvPr id="1" name="">
+          <a:extLst>
+            <a:ext uri="{FF2B5EF4-FFF2-40B4-BE49-F238E27FC236}">
+              <a16:creationId xmlns:a16="http://schemas.microsoft.com/office/drawing/2014/main" id="{A34F84CD-67FB-95EA-B638-5ED29B2405EC}"/>
+            </a:ext>
+          </a:extLst>
+        </p:cNvPr>
+        <p:cNvGrpSpPr/>
+        <p:nvPr/>
+      </p:nvGrpSpPr>
+      <p:grpSpPr>
+        <a:xfrm>
+          <a:off x="0" y="0"/>
+          <a:ext cx="0" cy="0"/>
+          <a:chOff x="0" y="0"/>
+          <a:chExt cx="0" cy="0"/>
+        </a:xfrm>
+      </p:grpSpPr>
+      <p:sp>
+        <p:nvSpPr>
+          <p:cNvPr id="3" name="Subtitle 2">
+            <a:extLst>
+              <a:ext uri="{FF2B5EF4-FFF2-40B4-BE49-F238E27FC236}">
+                <a16:creationId xmlns:a16="http://schemas.microsoft.com/office/drawing/2014/main" id="{002F3DB5-8A51-6FB5-91DA-75FF209EF755}"/>
+              </a:ext>
+            </a:extLst>
+          </p:cNvPr>
+          <p:cNvSpPr>
+            <a:spLocks noGrp="1"/>
+          </p:cNvSpPr>
+          <p:nvPr>
+            <p:ph type="subTitle" idx="1"/>
+          </p:nvPr>
+        </p:nvSpPr>
+        <p:spPr>
+          <a:xfrm>
+            <a:off x="395536" y="764704"/>
+            <a:ext cx="8640960" cy="6480720"/>
+          </a:xfrm>
+        </p:spPr>
+        <p:txBody>
+          <a:bodyPr>
+            <a:noAutofit/>
+          </a:bodyPr>
+          <a:lstStyle/>
+          <a:p>
+            <a:r>
+              <a:rPr lang="en-GB" sz="3600" dirty="0">
+                <a:solidFill>
+                  <a:schemeClr val="bg1"/>
+                </a:solidFill>
+              </a:rPr>
+              <a:t>All my life You have been faithful</a:t>
+            </a:r>
+          </a:p>
+          <a:p>
+            <a:r>
+              <a:rPr lang="en-GB" sz="3600" dirty="0">
+                <a:solidFill>
+                  <a:schemeClr val="bg1"/>
+                </a:solidFill>
+              </a:rPr>
+              <a:t>All my life You have been so </a:t>
+            </a:r>
+            <a:r>
+              <a:rPr lang="en-GB" sz="3600" dirty="0" err="1">
+                <a:solidFill>
+                  <a:schemeClr val="bg1"/>
+                </a:solidFill>
+              </a:rPr>
+              <a:t>so</a:t>
+            </a:r>
+            <a:r>
+              <a:rPr lang="en-GB" sz="3600" dirty="0">
+                <a:solidFill>
+                  <a:schemeClr val="bg1"/>
+                </a:solidFill>
+              </a:rPr>
+              <a:t> good</a:t>
+            </a:r>
+          </a:p>
+          <a:p>
+            <a:r>
+              <a:rPr lang="en-GB" sz="3600" dirty="0">
+                <a:solidFill>
+                  <a:schemeClr val="bg1"/>
+                </a:solidFill>
+              </a:rPr>
+              <a:t>With every breath that I am able</a:t>
+            </a:r>
+          </a:p>
+          <a:p>
+            <a:r>
+              <a:rPr lang="en-GB" sz="3600" dirty="0">
+                <a:solidFill>
+                  <a:schemeClr val="bg1"/>
+                </a:solidFill>
+              </a:rPr>
+              <a:t>I will sing of the goodness of God</a:t>
+            </a:r>
+          </a:p>
+        </p:txBody>
+      </p:sp>
+      <p:sp>
+        <p:nvSpPr>
+          <p:cNvPr id="4" name="TextBox 3">
+            <a:extLst>
+              <a:ext uri="{FF2B5EF4-FFF2-40B4-BE49-F238E27FC236}">
+                <a16:creationId xmlns:a16="http://schemas.microsoft.com/office/drawing/2014/main" id="{F981DA39-FA16-709C-0169-6A015F519584}"/>
+              </a:ext>
+            </a:extLst>
+          </p:cNvPr>
+          <p:cNvSpPr txBox="1"/>
+          <p:nvPr/>
+        </p:nvSpPr>
+        <p:spPr>
+          <a:xfrm>
+            <a:off x="8529729" y="0"/>
+            <a:ext cx="628698" cy="461665"/>
+          </a:xfrm>
+          <a:prstGeom prst="rect">
+            <a:avLst/>
+          </a:prstGeom>
+          <a:noFill/>
+        </p:spPr>
+        <p:txBody>
+          <a:bodyPr wrap="none" rtlCol="0">
+            <a:spAutoFit/>
+          </a:bodyPr>
+          <a:lstStyle/>
+          <a:p>
+            <a:r>
+              <a:rPr lang="en-GB" sz="2400" b="1" dirty="0">
+                <a:solidFill>
+                  <a:schemeClr val="bg1"/>
+                </a:solidFill>
+              </a:rPr>
+              <a:t>4/6</a:t>
+            </a:r>
+          </a:p>
+        </p:txBody>
+      </p:sp>
+    </p:spTree>
+    <p:extLst>
+      <p:ext uri="{BB962C8B-B14F-4D97-AF65-F5344CB8AC3E}">
+        <p14:creationId xmlns:p14="http://schemas.microsoft.com/office/powerpoint/2010/main" val="586538926"/>
+      </p:ext>
+    </p:extLst>
+  </p:cSld>
+  <p:clrMapOvr>
+    <a:masterClrMapping/>
+  </p:clrMapOvr>
+</p:sld>
+</file>
+
+<file path=ppt/slides/slide6.xml><?xml version="1.0" encoding="utf-8"?>
+<p:sld xmlns:a="http://schemas.openxmlformats.org/drawingml/2006/main" xmlns:r="http://schemas.openxmlformats.org/officeDocument/2006/relationships" xmlns:p="http://schemas.openxmlformats.org/presentationml/2006/main">
+  <p:cSld>
+    <p:spTree>
+      <p:nvGrpSpPr>
         <p:cNvPr id="1" name=""/>
         <p:cNvGrpSpPr/>
         <p:nvPr/>
@@ -3888,7 +4050,7 @@
                   <a:schemeClr val="bg1"/>
                 </a:solidFill>
               </a:rPr>
-              <a:t>4/4</a:t>
+              <a:t>5/6</a:t>
             </a:r>
           </a:p>
         </p:txBody>
@@ -3897,6 +4059,166 @@
     <p:extLst>
       <p:ext uri="{BB962C8B-B14F-4D97-AF65-F5344CB8AC3E}">
         <p14:creationId xmlns:p14="http://schemas.microsoft.com/office/powerpoint/2010/main" val="857765679"/>
+      </p:ext>
+    </p:extLst>
+  </p:cSld>
+  <p:clrMapOvr>
+    <a:masterClrMapping/>
+  </p:clrMapOvr>
+</p:sld>
+</file>
+
+<file path=ppt/slides/slide7.xml><?xml version="1.0" encoding="utf-8"?>
+<p:sld xmlns:a="http://schemas.openxmlformats.org/drawingml/2006/main" xmlns:r="http://schemas.openxmlformats.org/officeDocument/2006/relationships" xmlns:p="http://schemas.openxmlformats.org/presentationml/2006/main">
+  <p:cSld>
+    <p:spTree>
+      <p:nvGrpSpPr>
+        <p:cNvPr id="1" name="">
+          <a:extLst>
+            <a:ext uri="{FF2B5EF4-FFF2-40B4-BE49-F238E27FC236}">
+              <a16:creationId xmlns:a16="http://schemas.microsoft.com/office/drawing/2014/main" id="{36352577-44A5-72BE-D3BB-50ACE391B889}"/>
+            </a:ext>
+          </a:extLst>
+        </p:cNvPr>
+        <p:cNvGrpSpPr/>
+        <p:nvPr/>
+      </p:nvGrpSpPr>
+      <p:grpSpPr>
+        <a:xfrm>
+          <a:off x="0" y="0"/>
+          <a:ext cx="0" cy="0"/>
+          <a:chOff x="0" y="0"/>
+          <a:chExt cx="0" cy="0"/>
+        </a:xfrm>
+      </p:grpSpPr>
+      <p:sp>
+        <p:nvSpPr>
+          <p:cNvPr id="3" name="Subtitle 2">
+            <a:extLst>
+              <a:ext uri="{FF2B5EF4-FFF2-40B4-BE49-F238E27FC236}">
+                <a16:creationId xmlns:a16="http://schemas.microsoft.com/office/drawing/2014/main" id="{C7ED971D-E8C0-8D49-39C7-1902B6524DCA}"/>
+              </a:ext>
+            </a:extLst>
+          </p:cNvPr>
+          <p:cNvSpPr>
+            <a:spLocks noGrp="1"/>
+          </p:cNvSpPr>
+          <p:nvPr>
+            <p:ph type="subTitle" idx="1"/>
+          </p:nvPr>
+        </p:nvSpPr>
+        <p:spPr>
+          <a:xfrm>
+            <a:off x="395536" y="764704"/>
+            <a:ext cx="8640960" cy="6480720"/>
+          </a:xfrm>
+        </p:spPr>
+        <p:txBody>
+          <a:bodyPr>
+            <a:noAutofit/>
+          </a:bodyPr>
+          <a:lstStyle/>
+          <a:p>
+            <a:r>
+              <a:rPr lang="en-GB" sz="3600" dirty="0">
+                <a:solidFill>
+                  <a:schemeClr val="bg1"/>
+                </a:solidFill>
+              </a:rPr>
+              <a:t>All my life You have been faithful</a:t>
+            </a:r>
+          </a:p>
+          <a:p>
+            <a:r>
+              <a:rPr lang="en-GB" sz="3600" dirty="0">
+                <a:solidFill>
+                  <a:schemeClr val="bg1"/>
+                </a:solidFill>
+              </a:rPr>
+              <a:t>All my life You have been so </a:t>
+            </a:r>
+            <a:r>
+              <a:rPr lang="en-GB" sz="3600" dirty="0" err="1">
+                <a:solidFill>
+                  <a:schemeClr val="bg1"/>
+                </a:solidFill>
+              </a:rPr>
+              <a:t>so</a:t>
+            </a:r>
+            <a:r>
+              <a:rPr lang="en-GB" sz="3600" dirty="0">
+                <a:solidFill>
+                  <a:schemeClr val="bg1"/>
+                </a:solidFill>
+              </a:rPr>
+              <a:t> good</a:t>
+            </a:r>
+          </a:p>
+          <a:p>
+            <a:r>
+              <a:rPr lang="en-GB" sz="3600" dirty="0">
+                <a:solidFill>
+                  <a:schemeClr val="bg1"/>
+                </a:solidFill>
+              </a:rPr>
+              <a:t>With every breath that I am able</a:t>
+            </a:r>
+          </a:p>
+          <a:p>
+            <a:r>
+              <a:rPr lang="en-GB" sz="3600" dirty="0">
+                <a:solidFill>
+                  <a:schemeClr val="bg1"/>
+                </a:solidFill>
+              </a:rPr>
+              <a:t>I will sing of the goodness of God</a:t>
+            </a:r>
+          </a:p>
+        </p:txBody>
+      </p:sp>
+      <p:sp>
+        <p:nvSpPr>
+          <p:cNvPr id="4" name="TextBox 3">
+            <a:extLst>
+              <a:ext uri="{FF2B5EF4-FFF2-40B4-BE49-F238E27FC236}">
+                <a16:creationId xmlns:a16="http://schemas.microsoft.com/office/drawing/2014/main" id="{A3B33409-F54E-5BE1-D62D-F447F02D4DF6}"/>
+              </a:ext>
+            </a:extLst>
+          </p:cNvPr>
+          <p:cNvSpPr txBox="1"/>
+          <p:nvPr/>
+        </p:nvSpPr>
+        <p:spPr>
+          <a:xfrm>
+            <a:off x="8529729" y="0"/>
+            <a:ext cx="628698" cy="461665"/>
+          </a:xfrm>
+          <a:prstGeom prst="rect">
+            <a:avLst/>
+          </a:prstGeom>
+          <a:noFill/>
+        </p:spPr>
+        <p:txBody>
+          <a:bodyPr wrap="none" rtlCol="0">
+            <a:spAutoFit/>
+          </a:bodyPr>
+          <a:lstStyle/>
+          <a:p>
+            <a:r>
+              <a:rPr lang="en-GB" sz="2400" b="1" dirty="0">
+                <a:solidFill>
+                  <a:schemeClr val="bg1"/>
+                </a:solidFill>
+              </a:rPr>
+              <a:t>6/6</a:t>
+            </a:r>
+          </a:p>
+        </p:txBody>
+      </p:sp>
+    </p:spTree>
+    <p:extLst>
+      <p:ext uri="{BB962C8B-B14F-4D97-AF65-F5344CB8AC3E}">
+        <p14:creationId xmlns:p14="http://schemas.microsoft.com/office/powerpoint/2010/main" val="4163437388"/>
       </p:ext>
     </p:extLst>
   </p:cSld>
